--- a/Portpolio.pptx
+++ b/Portpolio.pptx
@@ -714,7 +714,7 @@
         <p:spPr>
           <a:xfrm>
             <a:off x="597297" y="1556554"/>
-            <a:ext cx="2495526" cy="270341"/>
+            <a:ext cx="2495526" cy="276999"/>
           </a:xfrm>
           <a:prstGeom prst="rect">
             <a:avLst/>
@@ -730,7 +730,7 @@
               <a:defRPr/>
             </a:pPr>
             <a:r>
-              <a:rPr lang="en-US" altLang="ko-KR" sz="1200">
+              <a:rPr lang="en-US" altLang="ko-KR" sz="1200" dirty="0">
                 <a:ln w="9525">
                   <a:solidFill>
                     <a:schemeClr val="bg1">
@@ -748,10 +748,10 @@
                 <a:latin typeface="나눔바른고딕"/>
                 <a:ea typeface="나눔바른고딕"/>
               </a:rPr>
-              <a:t>2018</a:t>
-            </a:r>
-            <a:r>
-              <a:rPr lang="ko-KR" altLang="en-US" sz="1200">
+              <a:t>2019</a:t>
+            </a:r>
+            <a:r>
+              <a:rPr lang="ko-KR" altLang="en-US" sz="1200" dirty="0">
                 <a:ln w="9525">
                   <a:solidFill>
                     <a:schemeClr val="bg1">
@@ -2621,7 +2621,7 @@
     <mc:Choice Requires="p14">
       <p:transition/>
     </mc:Choice>
-    <mc:Fallback xmlns:dsp="http://schemas.microsoft.com/office/drawing/2008/diagram" xmlns:dgm="http://schemas.openxmlformats.org/drawingml/2006/diagram" xmlns:c="http://schemas.openxmlformats.org/drawingml/2006/chart" xmlns="">
+    <mc:Fallback xmlns="" xmlns:c="http://schemas.openxmlformats.org/drawingml/2006/chart" xmlns:dgm="http://schemas.openxmlformats.org/drawingml/2006/diagram" xmlns:dsp="http://schemas.microsoft.com/office/drawing/2008/diagram">
       <p:transition/>
     </mc:Fallback>
   </mc:AlternateContent>
@@ -4321,7 +4321,7 @@
     <mc:Choice Requires="p14">
       <p:transition/>
     </mc:Choice>
-    <mc:Fallback xmlns:dsp="http://schemas.microsoft.com/office/drawing/2008/diagram" xmlns:dgm="http://schemas.openxmlformats.org/drawingml/2006/diagram" xmlns:c="http://schemas.openxmlformats.org/drawingml/2006/chart" xmlns="">
+    <mc:Fallback xmlns="" xmlns:c="http://schemas.openxmlformats.org/drawingml/2006/chart" xmlns:dgm="http://schemas.openxmlformats.org/drawingml/2006/diagram" xmlns:dsp="http://schemas.microsoft.com/office/drawing/2008/diagram">
       <p:transition/>
     </mc:Fallback>
   </mc:AlternateContent>
@@ -5617,7 +5617,7 @@
     <mc:Choice Requires="p14">
       <p:transition/>
     </mc:Choice>
-    <mc:Fallback xmlns:dsp="http://schemas.microsoft.com/office/drawing/2008/diagram" xmlns:dgm="http://schemas.openxmlformats.org/drawingml/2006/diagram" xmlns:c="http://schemas.openxmlformats.org/drawingml/2006/chart" xmlns="">
+    <mc:Fallback xmlns="" xmlns:c="http://schemas.openxmlformats.org/drawingml/2006/chart" xmlns:dgm="http://schemas.openxmlformats.org/drawingml/2006/diagram" xmlns:dsp="http://schemas.microsoft.com/office/drawing/2008/diagram">
       <p:transition/>
     </mc:Fallback>
   </mc:AlternateContent>
@@ -6924,7 +6924,7 @@
     <mc:Choice Requires="p14">
       <p:transition/>
     </mc:Choice>
-    <mc:Fallback xmlns:dsp="http://schemas.microsoft.com/office/drawing/2008/diagram" xmlns:dgm="http://schemas.openxmlformats.org/drawingml/2006/diagram" xmlns:c="http://schemas.openxmlformats.org/drawingml/2006/chart" xmlns="">
+    <mc:Fallback xmlns="" xmlns:c="http://schemas.openxmlformats.org/drawingml/2006/chart" xmlns:dgm="http://schemas.openxmlformats.org/drawingml/2006/diagram" xmlns:dsp="http://schemas.microsoft.com/office/drawing/2008/diagram">
       <p:transition/>
     </mc:Fallback>
   </mc:AlternateContent>
@@ -7442,7 +7442,7 @@
     <mc:Choice Requires="p14">
       <p:transition/>
     </mc:Choice>
-    <mc:Fallback xmlns:dsp="http://schemas.microsoft.com/office/drawing/2008/diagram" xmlns:dgm="http://schemas.openxmlformats.org/drawingml/2006/diagram" xmlns:c="http://schemas.openxmlformats.org/drawingml/2006/chart" xmlns="">
+    <mc:Fallback xmlns="" xmlns:c="http://schemas.openxmlformats.org/drawingml/2006/chart" xmlns:dgm="http://schemas.openxmlformats.org/drawingml/2006/diagram" xmlns:dsp="http://schemas.microsoft.com/office/drawing/2008/diagram">
       <p:transition/>
     </mc:Fallback>
   </mc:AlternateContent>
@@ -9220,7 +9220,7 @@
     <mc:Choice Requires="p14">
       <p:transition/>
     </mc:Choice>
-    <mc:Fallback xmlns:dsp="http://schemas.microsoft.com/office/drawing/2008/diagram" xmlns:dgm="http://schemas.openxmlformats.org/drawingml/2006/diagram" xmlns:c="http://schemas.openxmlformats.org/drawingml/2006/chart" xmlns="">
+    <mc:Fallback xmlns="" xmlns:c="http://schemas.openxmlformats.org/drawingml/2006/chart" xmlns:dgm="http://schemas.openxmlformats.org/drawingml/2006/diagram" xmlns:dsp="http://schemas.microsoft.com/office/drawing/2008/diagram">
       <p:transition/>
     </mc:Fallback>
   </mc:AlternateContent>
@@ -10531,7 +10531,7 @@
     <mc:Choice Requires="p14">
       <p:transition/>
     </mc:Choice>
-    <mc:Fallback xmlns:dsp="http://schemas.microsoft.com/office/drawing/2008/diagram" xmlns:dgm="http://schemas.openxmlformats.org/drawingml/2006/diagram" xmlns:c="http://schemas.openxmlformats.org/drawingml/2006/chart" xmlns="">
+    <mc:Fallback xmlns="" xmlns:c="http://schemas.openxmlformats.org/drawingml/2006/chart" xmlns:dgm="http://schemas.openxmlformats.org/drawingml/2006/diagram" xmlns:dsp="http://schemas.microsoft.com/office/drawing/2008/diagram">
       <p:transition/>
     </mc:Fallback>
   </mc:AlternateContent>
@@ -11395,7 +11395,7 @@
         </p:blipFill>
         <p:spPr>
           <a:xfrm>
-            <a:off x="4435706" y="1648617"/>
+            <a:off x="4435706" y="1556338"/>
             <a:ext cx="2790825" cy="2257425"/>
           </a:xfrm>
           <a:prstGeom prst="rect">
@@ -11424,7 +11424,7 @@
         </p:blipFill>
         <p:spPr>
           <a:xfrm>
-            <a:off x="3663935" y="4028570"/>
+            <a:off x="3663935" y="3936291"/>
             <a:ext cx="3562596" cy="2256146"/>
           </a:xfrm>
           <a:prstGeom prst="rect">
@@ -11454,7 +11454,7 @@
         </p:blipFill>
         <p:spPr>
           <a:xfrm>
-            <a:off x="7577895" y="1649896"/>
+            <a:off x="7577895" y="1557617"/>
             <a:ext cx="3546450" cy="2256146"/>
           </a:xfrm>
           <a:prstGeom prst="rect">
@@ -11476,8 +11476,8 @@
         </p:nvSpPr>
         <p:spPr>
           <a:xfrm>
-            <a:off x="7346948" y="4751450"/>
-            <a:ext cx="4006953" cy="369332"/>
+            <a:off x="7347643" y="4741198"/>
+            <a:ext cx="4006953" cy="646331"/>
           </a:xfrm>
           <a:prstGeom prst="rect">
             <a:avLst/>
@@ -11495,6 +11495,10 @@
               <a:rPr lang="ko-KR" altLang="en-US" dirty="0"/>
               <a:t>시작 화면 및 </a:t>
             </a:r>
+            <a:endParaRPr lang="en-US" altLang="ko-KR" dirty="0"/>
+          </a:p>
+          <a:p>
+            <a:pPr algn="ctr"/>
             <a:r>
               <a:rPr lang="en-US" altLang="ko-KR" dirty="0"/>
               <a:t>LIST, GRAPH </a:t>
@@ -11667,7 +11671,7 @@
     <mc:Choice Requires="p14">
       <p:transition/>
     </mc:Choice>
-    <mc:Fallback xmlns:dsp="http://schemas.microsoft.com/office/drawing/2008/diagram" xmlns:dgm="http://schemas.openxmlformats.org/drawingml/2006/diagram" xmlns:c="http://schemas.openxmlformats.org/drawingml/2006/chart" xmlns="">
+    <mc:Fallback xmlns="" xmlns:c="http://schemas.openxmlformats.org/drawingml/2006/chart" xmlns:dgm="http://schemas.openxmlformats.org/drawingml/2006/diagram" xmlns:dsp="http://schemas.microsoft.com/office/drawing/2008/diagram">
       <p:transition/>
     </mc:Fallback>
   </mc:AlternateContent>
@@ -13109,7 +13113,7 @@
     <mc:Choice Requires="p14">
       <p:transition/>
     </mc:Choice>
-    <mc:Fallback xmlns:dsp="http://schemas.microsoft.com/office/drawing/2008/diagram" xmlns:dgm="http://schemas.openxmlformats.org/drawingml/2006/diagram" xmlns:c="http://schemas.openxmlformats.org/drawingml/2006/chart" xmlns="">
+    <mc:Fallback xmlns="" xmlns:c="http://schemas.openxmlformats.org/drawingml/2006/chart" xmlns:dgm="http://schemas.openxmlformats.org/drawingml/2006/diagram" xmlns:dsp="http://schemas.microsoft.com/office/drawing/2008/diagram">
       <p:transition/>
     </mc:Fallback>
   </mc:AlternateContent>
@@ -14602,7 +14606,7 @@
     <mc:Choice Requires="p14">
       <p:transition/>
     </mc:Choice>
-    <mc:Fallback xmlns:dsp="http://schemas.microsoft.com/office/drawing/2008/diagram" xmlns:dgm="http://schemas.openxmlformats.org/drawingml/2006/diagram" xmlns:c="http://schemas.openxmlformats.org/drawingml/2006/chart" xmlns="">
+    <mc:Fallback xmlns="" xmlns:c="http://schemas.openxmlformats.org/drawingml/2006/chart" xmlns:dgm="http://schemas.openxmlformats.org/drawingml/2006/diagram" xmlns:dsp="http://schemas.microsoft.com/office/drawing/2008/diagram">
       <p:transition/>
     </mc:Fallback>
   </mc:AlternateContent>
@@ -16199,7 +16203,7 @@
     <mc:Choice Requires="p14">
       <p:transition/>
     </mc:Choice>
-    <mc:Fallback xmlns:dsp="http://schemas.microsoft.com/office/drawing/2008/diagram" xmlns:dgm="http://schemas.openxmlformats.org/drawingml/2006/diagram" xmlns:c="http://schemas.openxmlformats.org/drawingml/2006/chart" xmlns="">
+    <mc:Fallback xmlns="" xmlns:c="http://schemas.openxmlformats.org/drawingml/2006/chart" xmlns:dgm="http://schemas.openxmlformats.org/drawingml/2006/diagram" xmlns:dsp="http://schemas.microsoft.com/office/drawing/2008/diagram">
       <p:transition/>
     </mc:Fallback>
   </mc:AlternateContent>
@@ -18307,7 +18311,7 @@
     <mc:Choice Requires="p14">
       <p:transition/>
     </mc:Choice>
-    <mc:Fallback xmlns:dsp="http://schemas.microsoft.com/office/drawing/2008/diagram" xmlns:dgm="http://schemas.openxmlformats.org/drawingml/2006/diagram" xmlns:c="http://schemas.openxmlformats.org/drawingml/2006/chart" xmlns="">
+    <mc:Fallback xmlns="" xmlns:c="http://schemas.openxmlformats.org/drawingml/2006/chart" xmlns:dgm="http://schemas.openxmlformats.org/drawingml/2006/diagram" xmlns:dsp="http://schemas.microsoft.com/office/drawing/2008/diagram">
       <p:transition/>
     </mc:Fallback>
   </mc:AlternateContent>
@@ -19706,7 +19710,7 @@
         </p:nvSpPr>
         <p:spPr>
           <a:xfrm>
-            <a:off x="7887183" y="4635285"/>
+            <a:off x="7887183" y="4736480"/>
             <a:ext cx="3546779" cy="1200329"/>
           </a:xfrm>
           <a:prstGeom prst="rect">
@@ -20001,7 +20005,7 @@
     <mc:Choice Requires="p14">
       <p:transition/>
     </mc:Choice>
-    <mc:Fallback xmlns:dsp="http://schemas.microsoft.com/office/drawing/2008/diagram" xmlns:dgm="http://schemas.openxmlformats.org/drawingml/2006/diagram" xmlns:c="http://schemas.openxmlformats.org/drawingml/2006/chart" xmlns="">
+    <mc:Fallback xmlns="" xmlns:c="http://schemas.openxmlformats.org/drawingml/2006/chart" xmlns:dgm="http://schemas.openxmlformats.org/drawingml/2006/diagram" xmlns:dsp="http://schemas.microsoft.com/office/drawing/2008/diagram">
       <p:transition/>
     </mc:Fallback>
   </mc:AlternateContent>

--- a/Portpolio.pptx
+++ b/Portpolio.pptx
@@ -1327,7 +1327,7 @@
         <p:spPr>
           <a:xfrm>
             <a:off x="301462" y="1302016"/>
-            <a:ext cx="1969687" cy="267704"/>
+            <a:ext cx="1969687" cy="276999"/>
           </a:xfrm>
           <a:prstGeom prst="rect">
             <a:avLst/>
@@ -1343,7 +1343,7 @@
               <a:defRPr/>
             </a:pPr>
             <a:r>
-              <a:rPr lang="en-US" altLang="ko-KR" sz="1200">
+              <a:rPr lang="en-US" altLang="ko-KR" sz="1200" dirty="0">
                 <a:ln w="9525">
                   <a:solidFill>
                     <a:schemeClr val="bg1">
@@ -1361,10 +1361,10 @@
                 <a:latin typeface="나눔바른고딕"/>
                 <a:ea typeface="나눔바른고딕"/>
               </a:rPr>
-              <a:t>2018</a:t>
-            </a:r>
-            <a:r>
-              <a:rPr lang="ko-KR" altLang="en-US" sz="1200">
+              <a:t>2019</a:t>
+            </a:r>
+            <a:r>
+              <a:rPr lang="ko-KR" altLang="en-US" sz="1200" dirty="0">
                 <a:ln w="9525">
                   <a:solidFill>
                     <a:schemeClr val="bg1">
@@ -1385,7 +1385,7 @@
               <a:t> </a:t>
             </a:r>
             <a:r>
-              <a:rPr lang="ko-KR" altLang="en-US" sz="1200">
+              <a:rPr lang="ko-KR" altLang="en-US" sz="1200" dirty="0">
                 <a:ln w="9525">
                   <a:solidFill>
                     <a:schemeClr val="bg1">
@@ -2621,7 +2621,7 @@
     <mc:Choice Requires="p14">
       <p:transition/>
     </mc:Choice>
-    <mc:Fallback xmlns="" xmlns:c="http://schemas.openxmlformats.org/drawingml/2006/chart" xmlns:dgm="http://schemas.openxmlformats.org/drawingml/2006/diagram" xmlns:dsp="http://schemas.microsoft.com/office/drawing/2008/diagram">
+    <mc:Fallback xmlns:dsp="http://schemas.microsoft.com/office/drawing/2008/diagram" xmlns:dgm="http://schemas.openxmlformats.org/drawingml/2006/diagram" xmlns:c="http://schemas.openxmlformats.org/drawingml/2006/chart" xmlns="">
       <p:transition/>
     </mc:Fallback>
   </mc:AlternateContent>
@@ -4321,7 +4321,7 @@
     <mc:Choice Requires="p14">
       <p:transition/>
     </mc:Choice>
-    <mc:Fallback xmlns="" xmlns:c="http://schemas.openxmlformats.org/drawingml/2006/chart" xmlns:dgm="http://schemas.openxmlformats.org/drawingml/2006/diagram" xmlns:dsp="http://schemas.microsoft.com/office/drawing/2008/diagram">
+    <mc:Fallback xmlns:dsp="http://schemas.microsoft.com/office/drawing/2008/diagram" xmlns:dgm="http://schemas.openxmlformats.org/drawingml/2006/diagram" xmlns:c="http://schemas.openxmlformats.org/drawingml/2006/chart" xmlns="">
       <p:transition/>
     </mc:Fallback>
   </mc:AlternateContent>
@@ -5617,7 +5617,7 @@
     <mc:Choice Requires="p14">
       <p:transition/>
     </mc:Choice>
-    <mc:Fallback xmlns="" xmlns:c="http://schemas.openxmlformats.org/drawingml/2006/chart" xmlns:dgm="http://schemas.openxmlformats.org/drawingml/2006/diagram" xmlns:dsp="http://schemas.microsoft.com/office/drawing/2008/diagram">
+    <mc:Fallback xmlns:dsp="http://schemas.microsoft.com/office/drawing/2008/diagram" xmlns:dgm="http://schemas.openxmlformats.org/drawingml/2006/diagram" xmlns:c="http://schemas.openxmlformats.org/drawingml/2006/chart" xmlns="">
       <p:transition/>
     </mc:Fallback>
   </mc:AlternateContent>
@@ -6924,7 +6924,7 @@
     <mc:Choice Requires="p14">
       <p:transition/>
     </mc:Choice>
-    <mc:Fallback xmlns="" xmlns:c="http://schemas.openxmlformats.org/drawingml/2006/chart" xmlns:dgm="http://schemas.openxmlformats.org/drawingml/2006/diagram" xmlns:dsp="http://schemas.microsoft.com/office/drawing/2008/diagram">
+    <mc:Fallback xmlns:dsp="http://schemas.microsoft.com/office/drawing/2008/diagram" xmlns:dgm="http://schemas.openxmlformats.org/drawingml/2006/diagram" xmlns:c="http://schemas.openxmlformats.org/drawingml/2006/chart" xmlns="">
       <p:transition/>
     </mc:Fallback>
   </mc:AlternateContent>
@@ -7442,7 +7442,7 @@
     <mc:Choice Requires="p14">
       <p:transition/>
     </mc:Choice>
-    <mc:Fallback xmlns="" xmlns:c="http://schemas.openxmlformats.org/drawingml/2006/chart" xmlns:dgm="http://schemas.openxmlformats.org/drawingml/2006/diagram" xmlns:dsp="http://schemas.microsoft.com/office/drawing/2008/diagram">
+    <mc:Fallback xmlns:dsp="http://schemas.microsoft.com/office/drawing/2008/diagram" xmlns:dgm="http://schemas.openxmlformats.org/drawingml/2006/diagram" xmlns:c="http://schemas.openxmlformats.org/drawingml/2006/chart" xmlns="">
       <p:transition/>
     </mc:Fallback>
   </mc:AlternateContent>
@@ -9220,7 +9220,7 @@
     <mc:Choice Requires="p14">
       <p:transition/>
     </mc:Choice>
-    <mc:Fallback xmlns="" xmlns:c="http://schemas.openxmlformats.org/drawingml/2006/chart" xmlns:dgm="http://schemas.openxmlformats.org/drawingml/2006/diagram" xmlns:dsp="http://schemas.microsoft.com/office/drawing/2008/diagram">
+    <mc:Fallback xmlns:dsp="http://schemas.microsoft.com/office/drawing/2008/diagram" xmlns:dgm="http://schemas.openxmlformats.org/drawingml/2006/diagram" xmlns:c="http://schemas.openxmlformats.org/drawingml/2006/chart" xmlns="">
       <p:transition/>
     </mc:Fallback>
   </mc:AlternateContent>
@@ -10531,7 +10531,7 @@
     <mc:Choice Requires="p14">
       <p:transition/>
     </mc:Choice>
-    <mc:Fallback xmlns="" xmlns:c="http://schemas.openxmlformats.org/drawingml/2006/chart" xmlns:dgm="http://schemas.openxmlformats.org/drawingml/2006/diagram" xmlns:dsp="http://schemas.microsoft.com/office/drawing/2008/diagram">
+    <mc:Fallback xmlns:dsp="http://schemas.microsoft.com/office/drawing/2008/diagram" xmlns:dgm="http://schemas.openxmlformats.org/drawingml/2006/diagram" xmlns:c="http://schemas.openxmlformats.org/drawingml/2006/chart" xmlns="">
       <p:transition/>
     </mc:Fallback>
   </mc:AlternateContent>
@@ -11671,7 +11671,7 @@
     <mc:Choice Requires="p14">
       <p:transition/>
     </mc:Choice>
-    <mc:Fallback xmlns="" xmlns:c="http://schemas.openxmlformats.org/drawingml/2006/chart" xmlns:dgm="http://schemas.openxmlformats.org/drawingml/2006/diagram" xmlns:dsp="http://schemas.microsoft.com/office/drawing/2008/diagram">
+    <mc:Fallback xmlns:dsp="http://schemas.microsoft.com/office/drawing/2008/diagram" xmlns:dgm="http://schemas.openxmlformats.org/drawingml/2006/diagram" xmlns:c="http://schemas.openxmlformats.org/drawingml/2006/chart" xmlns="">
       <p:transition/>
     </mc:Fallback>
   </mc:AlternateContent>
@@ -13113,7 +13113,7 @@
     <mc:Choice Requires="p14">
       <p:transition/>
     </mc:Choice>
-    <mc:Fallback xmlns="" xmlns:c="http://schemas.openxmlformats.org/drawingml/2006/chart" xmlns:dgm="http://schemas.openxmlformats.org/drawingml/2006/diagram" xmlns:dsp="http://schemas.microsoft.com/office/drawing/2008/diagram">
+    <mc:Fallback xmlns:dsp="http://schemas.microsoft.com/office/drawing/2008/diagram" xmlns:dgm="http://schemas.openxmlformats.org/drawingml/2006/diagram" xmlns:c="http://schemas.openxmlformats.org/drawingml/2006/chart" xmlns="">
       <p:transition/>
     </mc:Fallback>
   </mc:AlternateContent>
@@ -14606,7 +14606,7 @@
     <mc:Choice Requires="p14">
       <p:transition/>
     </mc:Choice>
-    <mc:Fallback xmlns="" xmlns:c="http://schemas.openxmlformats.org/drawingml/2006/chart" xmlns:dgm="http://schemas.openxmlformats.org/drawingml/2006/diagram" xmlns:dsp="http://schemas.microsoft.com/office/drawing/2008/diagram">
+    <mc:Fallback xmlns:dsp="http://schemas.microsoft.com/office/drawing/2008/diagram" xmlns:dgm="http://schemas.openxmlformats.org/drawingml/2006/diagram" xmlns:c="http://schemas.openxmlformats.org/drawingml/2006/chart" xmlns="">
       <p:transition/>
     </mc:Fallback>
   </mc:AlternateContent>
@@ -16203,7 +16203,7 @@
     <mc:Choice Requires="p14">
       <p:transition/>
     </mc:Choice>
-    <mc:Fallback xmlns="" xmlns:c="http://schemas.openxmlformats.org/drawingml/2006/chart" xmlns:dgm="http://schemas.openxmlformats.org/drawingml/2006/diagram" xmlns:dsp="http://schemas.microsoft.com/office/drawing/2008/diagram">
+    <mc:Fallback xmlns:dsp="http://schemas.microsoft.com/office/drawing/2008/diagram" xmlns:dgm="http://schemas.openxmlformats.org/drawingml/2006/diagram" xmlns:c="http://schemas.openxmlformats.org/drawingml/2006/chart" xmlns="">
       <p:transition/>
     </mc:Fallback>
   </mc:AlternateContent>
@@ -18311,7 +18311,7 @@
     <mc:Choice Requires="p14">
       <p:transition/>
     </mc:Choice>
-    <mc:Fallback xmlns="" xmlns:c="http://schemas.openxmlformats.org/drawingml/2006/chart" xmlns:dgm="http://schemas.openxmlformats.org/drawingml/2006/diagram" xmlns:dsp="http://schemas.microsoft.com/office/drawing/2008/diagram">
+    <mc:Fallback xmlns:dsp="http://schemas.microsoft.com/office/drawing/2008/diagram" xmlns:dgm="http://schemas.openxmlformats.org/drawingml/2006/diagram" xmlns:c="http://schemas.openxmlformats.org/drawingml/2006/chart" xmlns="">
       <p:transition/>
     </mc:Fallback>
   </mc:AlternateContent>
@@ -20005,7 +20005,7 @@
     <mc:Choice Requires="p14">
       <p:transition/>
     </mc:Choice>
-    <mc:Fallback xmlns="" xmlns:c="http://schemas.openxmlformats.org/drawingml/2006/chart" xmlns:dgm="http://schemas.openxmlformats.org/drawingml/2006/diagram" xmlns:dsp="http://schemas.microsoft.com/office/drawing/2008/diagram">
+    <mc:Fallback xmlns:dsp="http://schemas.microsoft.com/office/drawing/2008/diagram" xmlns:dgm="http://schemas.openxmlformats.org/drawingml/2006/diagram" xmlns:c="http://schemas.openxmlformats.org/drawingml/2006/chart" xmlns="">
       <p:transition/>
     </mc:Fallback>
   </mc:AlternateContent>
